--- a/Fragen/Wertkette.pptx
+++ b/Fragen/Wertkette.pptx
@@ -104,6 +104,11 @@
       </a:defRPr>
     </a:lvl9pPr>
   </p:defaultTextStyle>
+  <p:extLst>
+    <p:ext uri="{EFAFB233-063F-42B5-8137-9DF3F51BA10A}">
+      <p15:sldGuideLst xmlns:p15="http://schemas.microsoft.com/office/powerpoint/2012/main"/>
+    </p:ext>
+  </p:extLst>
 </p:presentation>
 </file>
 
@@ -254,7 +259,7 @@
           <a:p>
             <a:fld id="{5D672071-156A-470B-9EEE-CC49035A42AB}" type="datetimeFigureOut">
               <a:rPr lang="fr-FR" smtClean="0"/>
-              <a:t>12/04/2018</a:t>
+              <a:t>14/04/2018</a:t>
             </a:fld>
             <a:endParaRPr lang="fr-FR"/>
           </a:p>
@@ -452,7 +457,7 @@
           <a:p>
             <a:fld id="{5D672071-156A-470B-9EEE-CC49035A42AB}" type="datetimeFigureOut">
               <a:rPr lang="fr-FR" smtClean="0"/>
-              <a:t>12/04/2018</a:t>
+              <a:t>14/04/2018</a:t>
             </a:fld>
             <a:endParaRPr lang="fr-FR"/>
           </a:p>
@@ -660,7 +665,7 @@
           <a:p>
             <a:fld id="{5D672071-156A-470B-9EEE-CC49035A42AB}" type="datetimeFigureOut">
               <a:rPr lang="fr-FR" smtClean="0"/>
-              <a:t>12/04/2018</a:t>
+              <a:t>14/04/2018</a:t>
             </a:fld>
             <a:endParaRPr lang="fr-FR"/>
           </a:p>
@@ -858,7 +863,7 @@
           <a:p>
             <a:fld id="{5D672071-156A-470B-9EEE-CC49035A42AB}" type="datetimeFigureOut">
               <a:rPr lang="fr-FR" smtClean="0"/>
-              <a:t>12/04/2018</a:t>
+              <a:t>14/04/2018</a:t>
             </a:fld>
             <a:endParaRPr lang="fr-FR"/>
           </a:p>
@@ -1133,7 +1138,7 @@
           <a:p>
             <a:fld id="{5D672071-156A-470B-9EEE-CC49035A42AB}" type="datetimeFigureOut">
               <a:rPr lang="fr-FR" smtClean="0"/>
-              <a:t>12/04/2018</a:t>
+              <a:t>14/04/2018</a:t>
             </a:fld>
             <a:endParaRPr lang="fr-FR"/>
           </a:p>
@@ -1398,7 +1403,7 @@
           <a:p>
             <a:fld id="{5D672071-156A-470B-9EEE-CC49035A42AB}" type="datetimeFigureOut">
               <a:rPr lang="fr-FR" smtClean="0"/>
-              <a:t>12/04/2018</a:t>
+              <a:t>14/04/2018</a:t>
             </a:fld>
             <a:endParaRPr lang="fr-FR"/>
           </a:p>
@@ -1810,7 +1815,7 @@
           <a:p>
             <a:fld id="{5D672071-156A-470B-9EEE-CC49035A42AB}" type="datetimeFigureOut">
               <a:rPr lang="fr-FR" smtClean="0"/>
-              <a:t>12/04/2018</a:t>
+              <a:t>14/04/2018</a:t>
             </a:fld>
             <a:endParaRPr lang="fr-FR"/>
           </a:p>
@@ -1951,7 +1956,7 @@
           <a:p>
             <a:fld id="{5D672071-156A-470B-9EEE-CC49035A42AB}" type="datetimeFigureOut">
               <a:rPr lang="fr-FR" smtClean="0"/>
-              <a:t>12/04/2018</a:t>
+              <a:t>14/04/2018</a:t>
             </a:fld>
             <a:endParaRPr lang="fr-FR"/>
           </a:p>
@@ -2064,7 +2069,7 @@
           <a:p>
             <a:fld id="{5D672071-156A-470B-9EEE-CC49035A42AB}" type="datetimeFigureOut">
               <a:rPr lang="fr-FR" smtClean="0"/>
-              <a:t>12/04/2018</a:t>
+              <a:t>14/04/2018</a:t>
             </a:fld>
             <a:endParaRPr lang="fr-FR"/>
           </a:p>
@@ -2375,7 +2380,7 @@
           <a:p>
             <a:fld id="{5D672071-156A-470B-9EEE-CC49035A42AB}" type="datetimeFigureOut">
               <a:rPr lang="fr-FR" smtClean="0"/>
-              <a:t>12/04/2018</a:t>
+              <a:t>14/04/2018</a:t>
             </a:fld>
             <a:endParaRPr lang="fr-FR"/>
           </a:p>
@@ -2663,7 +2668,7 @@
           <a:p>
             <a:fld id="{5D672071-156A-470B-9EEE-CC49035A42AB}" type="datetimeFigureOut">
               <a:rPr lang="fr-FR" smtClean="0"/>
-              <a:t>12/04/2018</a:t>
+              <a:t>14/04/2018</a:t>
             </a:fld>
             <a:endParaRPr lang="fr-FR"/>
           </a:p>
@@ -2904,7 +2909,7 @@
           <a:p>
             <a:fld id="{5D672071-156A-470B-9EEE-CC49035A42AB}" type="datetimeFigureOut">
               <a:rPr lang="fr-FR" smtClean="0"/>
-              <a:t>12/04/2018</a:t>
+              <a:t>14/04/2018</a:t>
             </a:fld>
             <a:endParaRPr lang="fr-FR"/>
           </a:p>
@@ -3371,7 +3376,7 @@
         </p:nvSpPr>
         <p:spPr>
           <a:xfrm>
-            <a:off x="297180" y="2583180"/>
+            <a:off x="336004" y="2616541"/>
             <a:ext cx="2240280" cy="646331"/>
           </a:xfrm>
           <a:prstGeom prst="rect">
@@ -3438,7 +3443,7 @@
         <p:spPr>
           <a:xfrm>
             <a:off x="3297554" y="1785907"/>
-            <a:ext cx="2065020" cy="1092607"/>
+            <a:ext cx="2065020" cy="1015663"/>
           </a:xfrm>
           <a:prstGeom prst="rect">
             <a:avLst/>
@@ -3454,67 +3459,67 @@
           <a:lstStyle/>
           <a:p>
             <a:r>
-              <a:rPr lang="fr-FR" sz="1300" dirty="0"/>
+              <a:rPr lang="fr-FR" sz="1200" dirty="0"/>
               <a:t>GIGAFACTORY</a:t>
             </a:r>
           </a:p>
           <a:p>
             <a:r>
-              <a:rPr lang="fr-FR" sz="1300" dirty="0"/>
+              <a:rPr lang="fr-FR" sz="1200" dirty="0"/>
               <a:t>Es </a:t>
             </a:r>
             <a:r>
-              <a:rPr lang="fr-FR" sz="1300" dirty="0" err="1"/>
+              <a:rPr lang="fr-FR" sz="1200" dirty="0" err="1"/>
               <a:t>kann</a:t>
             </a:r>
             <a:r>
-              <a:rPr lang="fr-FR" sz="1300" dirty="0"/>
+              <a:rPr lang="fr-FR" sz="1200" dirty="0"/>
               <a:t> </a:t>
             </a:r>
             <a:r>
-              <a:rPr lang="fr-FR" sz="1300" dirty="0" err="1"/>
+              <a:rPr lang="fr-FR" sz="1200" dirty="0" err="1"/>
               <a:t>genug</a:t>
             </a:r>
             <a:r>
-              <a:rPr lang="fr-FR" sz="1300" dirty="0"/>
+              <a:rPr lang="fr-FR" sz="1200" dirty="0"/>
               <a:t> Energie </a:t>
             </a:r>
             <a:r>
-              <a:rPr lang="fr-FR" sz="1300" dirty="0" err="1"/>
+              <a:rPr lang="fr-FR" sz="1200" dirty="0" err="1"/>
               <a:t>produzieren</a:t>
             </a:r>
             <a:r>
-              <a:rPr lang="fr-FR" sz="1300" dirty="0"/>
+              <a:rPr lang="fr-FR" sz="1200" dirty="0"/>
               <a:t> </a:t>
             </a:r>
             <a:r>
-              <a:rPr lang="fr-FR" sz="1300" dirty="0" err="1"/>
+              <a:rPr lang="fr-FR" sz="1200" dirty="0" err="1"/>
               <a:t>für</a:t>
             </a:r>
             <a:r>
-              <a:rPr lang="fr-FR" sz="1300" dirty="0"/>
+              <a:rPr lang="fr-FR" sz="1200" dirty="0"/>
               <a:t> die </a:t>
             </a:r>
             <a:r>
-              <a:rPr lang="fr-FR" sz="1300" dirty="0" err="1"/>
+              <a:rPr lang="fr-FR" sz="1200" dirty="0" err="1"/>
               <a:t>Produktion</a:t>
             </a:r>
             <a:r>
-              <a:rPr lang="fr-FR" sz="1300" dirty="0"/>
+              <a:rPr lang="fr-FR" sz="1200" dirty="0"/>
               <a:t>.</a:t>
             </a:r>
           </a:p>
           <a:p>
             <a:r>
-              <a:rPr lang="fr-FR" sz="1300" dirty="0"/>
+              <a:rPr lang="fr-FR" sz="1200" dirty="0"/>
               <a:t>(</a:t>
             </a:r>
             <a:r>
-              <a:rPr lang="fr-FR" sz="1300" dirty="0" err="1"/>
+              <a:rPr lang="fr-FR" sz="1200" dirty="0" err="1"/>
               <a:t>Batterien</a:t>
             </a:r>
             <a:r>
-              <a:rPr lang="fr-FR" sz="1300" dirty="0"/>
+              <a:rPr lang="fr-FR" sz="1200" dirty="0"/>
               <a:t>)</a:t>
             </a:r>
           </a:p>
@@ -3589,7 +3594,7 @@
         <p:spPr>
           <a:xfrm>
             <a:off x="6083844" y="1785544"/>
-            <a:ext cx="2065020" cy="892552"/>
+            <a:ext cx="2065020" cy="830997"/>
           </a:xfrm>
           <a:prstGeom prst="rect">
             <a:avLst/>
@@ -3605,77 +3610,77 @@
           <a:lstStyle/>
           <a:p>
             <a:r>
-              <a:rPr lang="fr-FR" sz="1300" dirty="0"/>
+              <a:rPr lang="fr-FR" sz="1200" dirty="0"/>
               <a:t>Die </a:t>
             </a:r>
             <a:r>
-              <a:rPr lang="fr-FR" sz="1300" dirty="0" err="1"/>
+              <a:rPr lang="fr-FR" sz="1200" dirty="0" err="1"/>
               <a:t>Firma</a:t>
             </a:r>
             <a:r>
-              <a:rPr lang="fr-FR" sz="1300" dirty="0"/>
+              <a:rPr lang="fr-FR" sz="1200" dirty="0"/>
               <a:t> </a:t>
             </a:r>
             <a:r>
-              <a:rPr lang="fr-FR" sz="1300" dirty="0" err="1"/>
+              <a:rPr lang="fr-FR" sz="1200" dirty="0" err="1"/>
               <a:t>besitzt</a:t>
             </a:r>
             <a:r>
-              <a:rPr lang="fr-FR" sz="1300" dirty="0"/>
+              <a:rPr lang="fr-FR" sz="1200" dirty="0"/>
               <a:t> seine </a:t>
             </a:r>
             <a:r>
-              <a:rPr lang="fr-FR" sz="1300" dirty="0" err="1"/>
+              <a:rPr lang="fr-FR" sz="1200" dirty="0" err="1"/>
               <a:t>eigene</a:t>
             </a:r>
             <a:r>
-              <a:rPr lang="fr-FR" sz="1300" dirty="0"/>
+              <a:rPr lang="fr-FR" sz="1200" dirty="0"/>
               <a:t> </a:t>
             </a:r>
             <a:r>
-              <a:rPr lang="fr-FR" sz="1300" dirty="0" err="1"/>
+              <a:rPr lang="fr-FR" sz="1200" dirty="0" err="1"/>
               <a:t>Geschäfte</a:t>
             </a:r>
             <a:r>
-              <a:rPr lang="fr-FR" sz="1300" dirty="0"/>
+              <a:rPr lang="fr-FR" sz="1200" dirty="0"/>
               <a:t>. </a:t>
             </a:r>
           </a:p>
           <a:p>
             <a:r>
-              <a:rPr lang="fr-FR" sz="1300" dirty="0"/>
+              <a:rPr lang="fr-FR" sz="1200" dirty="0"/>
               <a:t>Es </a:t>
             </a:r>
             <a:r>
-              <a:rPr lang="fr-FR" sz="1300" dirty="0" err="1"/>
+              <a:rPr lang="fr-FR" sz="1200" dirty="0" err="1"/>
               <a:t>ist</a:t>
             </a:r>
             <a:r>
-              <a:rPr lang="fr-FR" sz="1300" dirty="0"/>
+              <a:rPr lang="fr-FR" sz="1200" dirty="0"/>
               <a:t> mit Apple </a:t>
             </a:r>
             <a:r>
-              <a:rPr lang="fr-FR" sz="1300" dirty="0" err="1"/>
+              <a:rPr lang="fr-FR" sz="1200" dirty="0" err="1"/>
               <a:t>Store’s</a:t>
             </a:r>
             <a:r>
-              <a:rPr lang="fr-FR" sz="1300" dirty="0"/>
+              <a:rPr lang="fr-FR" sz="1200" dirty="0"/>
               <a:t> </a:t>
             </a:r>
             <a:r>
-              <a:rPr lang="fr-FR" sz="1300" dirty="0" err="1"/>
+              <a:rPr lang="fr-FR" sz="1200" dirty="0" err="1"/>
               <a:t>Prinzip</a:t>
             </a:r>
             <a:r>
-              <a:rPr lang="fr-FR" sz="1300" dirty="0"/>
+              <a:rPr lang="fr-FR" sz="1200" dirty="0"/>
               <a:t> </a:t>
             </a:r>
             <a:r>
-              <a:rPr lang="fr-FR" sz="1300" dirty="0" err="1"/>
+              <a:rPr lang="fr-FR" sz="1200" dirty="0" err="1"/>
               <a:t>vergleichbar</a:t>
             </a:r>
             <a:r>
-              <a:rPr lang="fr-FR" sz="1300" dirty="0"/>
+              <a:rPr lang="fr-FR" sz="1200" dirty="0"/>
               <a:t>.</a:t>
             </a:r>
           </a:p>
@@ -3695,8 +3700,8 @@
         </p:nvSpPr>
         <p:spPr>
           <a:xfrm>
-            <a:off x="8766628" y="1545046"/>
-            <a:ext cx="1624687" cy="1569660"/>
+            <a:off x="8766628" y="1547380"/>
+            <a:ext cx="1624687" cy="1015663"/>
           </a:xfrm>
           <a:prstGeom prst="rect">
             <a:avLst/>
@@ -3712,16 +3717,16 @@
           <a:lstStyle/>
           <a:p>
             <a:r>
-              <a:rPr lang="de-DE" sz="1600" dirty="0"/>
-              <a:t>kostenloses Laden an den Tesla-Ladestationen.</a:t>
-            </a:r>
-          </a:p>
-          <a:p>
-            <a:r>
-              <a:rPr lang="de-DE" sz="1600" dirty="0"/>
+              <a:rPr lang="de-DE" sz="1200" dirty="0"/>
+              <a:t>Kostenloses Laden an den Tesla-Ladestationen.</a:t>
+            </a:r>
+          </a:p>
+          <a:p>
+            <a:r>
+              <a:rPr lang="de-DE" sz="1200" dirty="0"/>
               <a:t>90 Sekunden Batteriewechsel</a:t>
             </a:r>
-            <a:endParaRPr lang="fr-FR" sz="1600" dirty="0"/>
+            <a:endParaRPr lang="fr-FR" sz="1200" dirty="0"/>
           </a:p>
         </p:txBody>
       </p:sp>
@@ -3818,6 +3823,114 @@
           <a:xfrm>
             <a:off x="0" y="6260628"/>
             <a:ext cx="12192000" cy="646332"/>
+          </a:xfrm>
+          <a:prstGeom prst="rect">
+            <a:avLst/>
+          </a:prstGeom>
+          <a:solidFill>
+            <a:schemeClr val="bg1"/>
+          </a:solidFill>
+          <a:ln>
+            <a:solidFill>
+              <a:schemeClr val="bg1"/>
+            </a:solidFill>
+          </a:ln>
+        </p:spPr>
+        <p:style>
+          <a:lnRef idx="2">
+            <a:schemeClr val="accent1">
+              <a:shade val="50000"/>
+            </a:schemeClr>
+          </a:lnRef>
+          <a:fillRef idx="1">
+            <a:schemeClr val="accent1"/>
+          </a:fillRef>
+          <a:effectRef idx="0">
+            <a:schemeClr val="accent1"/>
+          </a:effectRef>
+          <a:fontRef idx="minor">
+            <a:schemeClr val="lt1"/>
+          </a:fontRef>
+        </p:style>
+        <p:txBody>
+          <a:bodyPr rtlCol="0" anchor="ctr"/>
+          <a:lstStyle/>
+          <a:p>
+            <a:pPr algn="ctr"/>
+            <a:endParaRPr lang="fr-FR"/>
+          </a:p>
+        </p:txBody>
+      </p:sp>
+      <p:sp>
+        <p:nvSpPr>
+          <p:cNvPr id="12" name="Rectangle 11">
+            <a:extLst>
+              <a:ext uri="{FF2B5EF4-FFF2-40B4-BE49-F238E27FC236}">
+                <a16:creationId xmlns:a16="http://schemas.microsoft.com/office/drawing/2014/main" id="{B0099343-2627-46B1-AC0A-138C4021E629}"/>
+              </a:ext>
+            </a:extLst>
+          </p:cNvPr>
+          <p:cNvSpPr/>
+          <p:nvPr/>
+        </p:nvSpPr>
+        <p:spPr>
+          <a:xfrm>
+            <a:off x="8766628" y="2529034"/>
+            <a:ext cx="1344202" cy="509588"/>
+          </a:xfrm>
+          <a:prstGeom prst="rect">
+            <a:avLst/>
+          </a:prstGeom>
+          <a:solidFill>
+            <a:schemeClr val="bg1"/>
+          </a:solidFill>
+          <a:ln>
+            <a:solidFill>
+              <a:schemeClr val="bg1"/>
+            </a:solidFill>
+          </a:ln>
+        </p:spPr>
+        <p:style>
+          <a:lnRef idx="2">
+            <a:schemeClr val="accent1">
+              <a:shade val="50000"/>
+            </a:schemeClr>
+          </a:lnRef>
+          <a:fillRef idx="1">
+            <a:schemeClr val="accent1"/>
+          </a:fillRef>
+          <a:effectRef idx="0">
+            <a:schemeClr val="accent1"/>
+          </a:effectRef>
+          <a:fontRef idx="minor">
+            <a:schemeClr val="lt1"/>
+          </a:fontRef>
+        </p:style>
+        <p:txBody>
+          <a:bodyPr rtlCol="0" anchor="ctr"/>
+          <a:lstStyle/>
+          <a:p>
+            <a:pPr algn="ctr"/>
+            <a:endParaRPr lang="fr-FR"/>
+          </a:p>
+        </p:txBody>
+      </p:sp>
+      <p:sp>
+        <p:nvSpPr>
+          <p:cNvPr id="13" name="Rectangle 12">
+            <a:extLst>
+              <a:ext uri="{FF2B5EF4-FFF2-40B4-BE49-F238E27FC236}">
+                <a16:creationId xmlns:a16="http://schemas.microsoft.com/office/drawing/2014/main" id="{B7723DFF-F30C-4D43-82A6-BBCE78BEDBCA}"/>
+              </a:ext>
+            </a:extLst>
+          </p:cNvPr>
+          <p:cNvSpPr/>
+          <p:nvPr/>
+        </p:nvSpPr>
+        <p:spPr>
+          <a:xfrm>
+            <a:off x="3297553" y="2753284"/>
+            <a:ext cx="2065019" cy="158728"/>
           </a:xfrm>
           <a:prstGeom prst="rect">
             <a:avLst/>

--- a/Fragen/Wertkette.pptx
+++ b/Fragen/Wertkette.pptx
@@ -4,8 +4,11 @@
   <p:sldMasterIdLst>
     <p:sldMasterId id="2147483648" r:id="rId1"/>
   </p:sldMasterIdLst>
+  <p:notesMasterIdLst>
+    <p:notesMasterId r:id="rId3"/>
+  </p:notesMasterIdLst>
   <p:sldIdLst>
-    <p:sldId id="256" r:id="rId2"/>
+    <p:sldId id="257" r:id="rId2"/>
   </p:sldIdLst>
   <p:sldSz cx="12192000" cy="6858000"/>
   <p:notesSz cx="6858000" cy="9144000"/>
@@ -110,6 +113,355 @@
     </p:ext>
   </p:extLst>
 </p:presentation>
+</file>
+
+<file path=ppt/notesMasters/notesMaster1.xml><?xml version="1.0" encoding="utf-8"?>
+<p:notesMaster xmlns:a="http://schemas.openxmlformats.org/drawingml/2006/main" xmlns:r="http://schemas.openxmlformats.org/officeDocument/2006/relationships" xmlns:p="http://schemas.openxmlformats.org/presentationml/2006/main">
+  <p:cSld>
+    <p:bg>
+      <p:bgRef idx="1001">
+        <a:schemeClr val="bg1"/>
+      </p:bgRef>
+    </p:bg>
+    <p:spTree>
+      <p:nvGrpSpPr>
+        <p:cNvPr id="1" name=""/>
+        <p:cNvGrpSpPr/>
+        <p:nvPr/>
+      </p:nvGrpSpPr>
+      <p:grpSpPr>
+        <a:xfrm>
+          <a:off x="0" y="0"/>
+          <a:ext cx="0" cy="0"/>
+          <a:chOff x="0" y="0"/>
+          <a:chExt cx="0" cy="0"/>
+        </a:xfrm>
+      </p:grpSpPr>
+      <p:sp>
+        <p:nvSpPr>
+          <p:cNvPr id="2" name="Espace réservé de l'en-tête 1"/>
+          <p:cNvSpPr>
+            <a:spLocks noGrp="1"/>
+          </p:cNvSpPr>
+          <p:nvPr>
+            <p:ph type="hdr" sz="quarter"/>
+          </p:nvPr>
+        </p:nvSpPr>
+        <p:spPr>
+          <a:xfrm>
+            <a:off x="0" y="0"/>
+            <a:ext cx="2971800" cy="458788"/>
+          </a:xfrm>
+          <a:prstGeom prst="rect">
+            <a:avLst/>
+          </a:prstGeom>
+        </p:spPr>
+        <p:txBody>
+          <a:bodyPr vert="horz" lIns="91440" tIns="45720" rIns="91440" bIns="45720" rtlCol="0"/>
+          <a:lstStyle>
+            <a:lvl1pPr algn="l">
+              <a:defRPr sz="1200"/>
+            </a:lvl1pPr>
+          </a:lstStyle>
+          <a:p>
+            <a:endParaRPr lang="fr-FR"/>
+          </a:p>
+        </p:txBody>
+      </p:sp>
+      <p:sp>
+        <p:nvSpPr>
+          <p:cNvPr id="3" name="Espace réservé de la date 2"/>
+          <p:cNvSpPr>
+            <a:spLocks noGrp="1"/>
+          </p:cNvSpPr>
+          <p:nvPr>
+            <p:ph type="dt" idx="1"/>
+          </p:nvPr>
+        </p:nvSpPr>
+        <p:spPr>
+          <a:xfrm>
+            <a:off x="3884613" y="0"/>
+            <a:ext cx="2971800" cy="458788"/>
+          </a:xfrm>
+          <a:prstGeom prst="rect">
+            <a:avLst/>
+          </a:prstGeom>
+        </p:spPr>
+        <p:txBody>
+          <a:bodyPr vert="horz" lIns="91440" tIns="45720" rIns="91440" bIns="45720" rtlCol="0"/>
+          <a:lstStyle>
+            <a:lvl1pPr algn="r">
+              <a:defRPr sz="1200"/>
+            </a:lvl1pPr>
+          </a:lstStyle>
+          <a:p>
+            <a:fld id="{C9B7DE40-2C6B-46E7-8FE4-4D7F551FBA7A}" type="datetimeFigureOut">
+              <a:rPr lang="fr-FR" smtClean="0"/>
+              <a:t>14/04/2018</a:t>
+            </a:fld>
+            <a:endParaRPr lang="fr-FR"/>
+          </a:p>
+        </p:txBody>
+      </p:sp>
+      <p:sp>
+        <p:nvSpPr>
+          <p:cNvPr id="4" name="Espace réservé de l'image des diapositives 3"/>
+          <p:cNvSpPr>
+            <a:spLocks noGrp="1" noRot="1" noChangeAspect="1"/>
+          </p:cNvSpPr>
+          <p:nvPr>
+            <p:ph type="sldImg" idx="2"/>
+          </p:nvPr>
+        </p:nvSpPr>
+        <p:spPr>
+          <a:xfrm>
+            <a:off x="685800" y="1143000"/>
+            <a:ext cx="5486400" cy="3086100"/>
+          </a:xfrm>
+          <a:prstGeom prst="rect">
+            <a:avLst/>
+          </a:prstGeom>
+          <a:noFill/>
+          <a:ln w="12700">
+            <a:solidFill>
+              <a:prstClr val="black"/>
+            </a:solidFill>
+          </a:ln>
+        </p:spPr>
+        <p:txBody>
+          <a:bodyPr vert="horz" lIns="91440" tIns="45720" rIns="91440" bIns="45720" rtlCol="0" anchor="ctr"/>
+          <a:lstStyle/>
+          <a:p>
+            <a:endParaRPr lang="fr-FR"/>
+          </a:p>
+        </p:txBody>
+      </p:sp>
+      <p:sp>
+        <p:nvSpPr>
+          <p:cNvPr id="5" name="Espace réservé des notes 4"/>
+          <p:cNvSpPr>
+            <a:spLocks noGrp="1"/>
+          </p:cNvSpPr>
+          <p:nvPr>
+            <p:ph type="body" sz="quarter" idx="3"/>
+          </p:nvPr>
+        </p:nvSpPr>
+        <p:spPr>
+          <a:xfrm>
+            <a:off x="685800" y="4400550"/>
+            <a:ext cx="5486400" cy="3600450"/>
+          </a:xfrm>
+          <a:prstGeom prst="rect">
+            <a:avLst/>
+          </a:prstGeom>
+        </p:spPr>
+        <p:txBody>
+          <a:bodyPr vert="horz" lIns="91440" tIns="45720" rIns="91440" bIns="45720" rtlCol="0"/>
+          <a:lstStyle/>
+          <a:p>
+            <a:pPr lvl="0"/>
+            <a:r>
+              <a:rPr lang="fr-FR"/>
+              <a:t>Modifier les styles du texte du masque</a:t>
+            </a:r>
+          </a:p>
+          <a:p>
+            <a:pPr lvl="1"/>
+            <a:r>
+              <a:rPr lang="fr-FR"/>
+              <a:t>Deuxième niveau</a:t>
+            </a:r>
+          </a:p>
+          <a:p>
+            <a:pPr lvl="2"/>
+            <a:r>
+              <a:rPr lang="fr-FR"/>
+              <a:t>Troisième niveau</a:t>
+            </a:r>
+          </a:p>
+          <a:p>
+            <a:pPr lvl="3"/>
+            <a:r>
+              <a:rPr lang="fr-FR"/>
+              <a:t>Quatrième niveau</a:t>
+            </a:r>
+          </a:p>
+          <a:p>
+            <a:pPr lvl="4"/>
+            <a:r>
+              <a:rPr lang="fr-FR"/>
+              <a:t>Cinquième niveau</a:t>
+            </a:r>
+          </a:p>
+        </p:txBody>
+      </p:sp>
+      <p:sp>
+        <p:nvSpPr>
+          <p:cNvPr id="6" name="Espace réservé du pied de page 5"/>
+          <p:cNvSpPr>
+            <a:spLocks noGrp="1"/>
+          </p:cNvSpPr>
+          <p:nvPr>
+            <p:ph type="ftr" sz="quarter" idx="4"/>
+          </p:nvPr>
+        </p:nvSpPr>
+        <p:spPr>
+          <a:xfrm>
+            <a:off x="0" y="8685213"/>
+            <a:ext cx="2971800" cy="458787"/>
+          </a:xfrm>
+          <a:prstGeom prst="rect">
+            <a:avLst/>
+          </a:prstGeom>
+        </p:spPr>
+        <p:txBody>
+          <a:bodyPr vert="horz" lIns="91440" tIns="45720" rIns="91440" bIns="45720" rtlCol="0" anchor="b"/>
+          <a:lstStyle>
+            <a:lvl1pPr algn="l">
+              <a:defRPr sz="1200"/>
+            </a:lvl1pPr>
+          </a:lstStyle>
+          <a:p>
+            <a:endParaRPr lang="fr-FR"/>
+          </a:p>
+        </p:txBody>
+      </p:sp>
+      <p:sp>
+        <p:nvSpPr>
+          <p:cNvPr id="7" name="Espace réservé du numéro de diapositive 6"/>
+          <p:cNvSpPr>
+            <a:spLocks noGrp="1"/>
+          </p:cNvSpPr>
+          <p:nvPr>
+            <p:ph type="sldNum" sz="quarter" idx="5"/>
+          </p:nvPr>
+        </p:nvSpPr>
+        <p:spPr>
+          <a:xfrm>
+            <a:off x="3884613" y="8685213"/>
+            <a:ext cx="2971800" cy="458787"/>
+          </a:xfrm>
+          <a:prstGeom prst="rect">
+            <a:avLst/>
+          </a:prstGeom>
+        </p:spPr>
+        <p:txBody>
+          <a:bodyPr vert="horz" lIns="91440" tIns="45720" rIns="91440" bIns="45720" rtlCol="0" anchor="b"/>
+          <a:lstStyle>
+            <a:lvl1pPr algn="r">
+              <a:defRPr sz="1200"/>
+            </a:lvl1pPr>
+          </a:lstStyle>
+          <a:p>
+            <a:fld id="{A3D3EF30-AC2F-4C2A-9F2F-CA9BF5A9D871}" type="slidenum">
+              <a:rPr lang="fr-FR" smtClean="0"/>
+              <a:t>‹N°›</a:t>
+            </a:fld>
+            <a:endParaRPr lang="fr-FR"/>
+          </a:p>
+        </p:txBody>
+      </p:sp>
+    </p:spTree>
+    <p:extLst>
+      <p:ext uri="{BB962C8B-B14F-4D97-AF65-F5344CB8AC3E}">
+        <p14:creationId xmlns:p14="http://schemas.microsoft.com/office/powerpoint/2010/main" val="3411721557"/>
+      </p:ext>
+    </p:extLst>
+  </p:cSld>
+  <p:clrMap bg1="lt1" tx1="dk1" bg2="lt2" tx2="dk2" accent1="accent1" accent2="accent2" accent3="accent3" accent4="accent4" accent5="accent5" accent6="accent6" hlink="hlink" folHlink="folHlink"/>
+  <p:notesStyle>
+    <a:lvl1pPr marL="0" algn="l" defTabSz="914400" rtl="0" eaLnBrk="1" latinLnBrk="0" hangingPunct="1">
+      <a:defRPr sz="1200" kern="1200">
+        <a:solidFill>
+          <a:schemeClr val="tx1"/>
+        </a:solidFill>
+        <a:latin typeface="+mn-lt"/>
+        <a:ea typeface="+mn-ea"/>
+        <a:cs typeface="+mn-cs"/>
+      </a:defRPr>
+    </a:lvl1pPr>
+    <a:lvl2pPr marL="457200" algn="l" defTabSz="914400" rtl="0" eaLnBrk="1" latinLnBrk="0" hangingPunct="1">
+      <a:defRPr sz="1200" kern="1200">
+        <a:solidFill>
+          <a:schemeClr val="tx1"/>
+        </a:solidFill>
+        <a:latin typeface="+mn-lt"/>
+        <a:ea typeface="+mn-ea"/>
+        <a:cs typeface="+mn-cs"/>
+      </a:defRPr>
+    </a:lvl2pPr>
+    <a:lvl3pPr marL="914400" algn="l" defTabSz="914400" rtl="0" eaLnBrk="1" latinLnBrk="0" hangingPunct="1">
+      <a:defRPr sz="1200" kern="1200">
+        <a:solidFill>
+          <a:schemeClr val="tx1"/>
+        </a:solidFill>
+        <a:latin typeface="+mn-lt"/>
+        <a:ea typeface="+mn-ea"/>
+        <a:cs typeface="+mn-cs"/>
+      </a:defRPr>
+    </a:lvl3pPr>
+    <a:lvl4pPr marL="1371600" algn="l" defTabSz="914400" rtl="0" eaLnBrk="1" latinLnBrk="0" hangingPunct="1">
+      <a:defRPr sz="1200" kern="1200">
+        <a:solidFill>
+          <a:schemeClr val="tx1"/>
+        </a:solidFill>
+        <a:latin typeface="+mn-lt"/>
+        <a:ea typeface="+mn-ea"/>
+        <a:cs typeface="+mn-cs"/>
+      </a:defRPr>
+    </a:lvl4pPr>
+    <a:lvl5pPr marL="1828800" algn="l" defTabSz="914400" rtl="0" eaLnBrk="1" latinLnBrk="0" hangingPunct="1">
+      <a:defRPr sz="1200" kern="1200">
+        <a:solidFill>
+          <a:schemeClr val="tx1"/>
+        </a:solidFill>
+        <a:latin typeface="+mn-lt"/>
+        <a:ea typeface="+mn-ea"/>
+        <a:cs typeface="+mn-cs"/>
+      </a:defRPr>
+    </a:lvl5pPr>
+    <a:lvl6pPr marL="2286000" algn="l" defTabSz="914400" rtl="0" eaLnBrk="1" latinLnBrk="0" hangingPunct="1">
+      <a:defRPr sz="1200" kern="1200">
+        <a:solidFill>
+          <a:schemeClr val="tx1"/>
+        </a:solidFill>
+        <a:latin typeface="+mn-lt"/>
+        <a:ea typeface="+mn-ea"/>
+        <a:cs typeface="+mn-cs"/>
+      </a:defRPr>
+    </a:lvl6pPr>
+    <a:lvl7pPr marL="2743200" algn="l" defTabSz="914400" rtl="0" eaLnBrk="1" latinLnBrk="0" hangingPunct="1">
+      <a:defRPr sz="1200" kern="1200">
+        <a:solidFill>
+          <a:schemeClr val="tx1"/>
+        </a:solidFill>
+        <a:latin typeface="+mn-lt"/>
+        <a:ea typeface="+mn-ea"/>
+        <a:cs typeface="+mn-cs"/>
+      </a:defRPr>
+    </a:lvl7pPr>
+    <a:lvl8pPr marL="3200400" algn="l" defTabSz="914400" rtl="0" eaLnBrk="1" latinLnBrk="0" hangingPunct="1">
+      <a:defRPr sz="1200" kern="1200">
+        <a:solidFill>
+          <a:schemeClr val="tx1"/>
+        </a:solidFill>
+        <a:latin typeface="+mn-lt"/>
+        <a:ea typeface="+mn-ea"/>
+        <a:cs typeface="+mn-cs"/>
+      </a:defRPr>
+    </a:lvl8pPr>
+    <a:lvl9pPr marL="3657600" algn="l" defTabSz="914400" rtl="0" eaLnBrk="1" latinLnBrk="0" hangingPunct="1">
+      <a:defRPr sz="1200" kern="1200">
+        <a:solidFill>
+          <a:schemeClr val="tx1"/>
+        </a:solidFill>
+        <a:latin typeface="+mn-lt"/>
+        <a:ea typeface="+mn-ea"/>
+        <a:cs typeface="+mn-cs"/>
+      </a:defRPr>
+    </a:lvl9pPr>
+  </p:notesStyle>
+</p:notesMaster>
 </file>
 
 <file path=ppt/slideLayouts/slideLayout1.xml><?xml version="1.0" encoding="utf-8"?>
@@ -3326,653 +3678,651 @@
           <a:chExt cx="0" cy="0"/>
         </a:xfrm>
       </p:grpSpPr>
-      <p:pic>
-        <p:nvPicPr>
-          <p:cNvPr id="11" name="Image 10">
-            <a:extLst>
-              <a:ext uri="{FF2B5EF4-FFF2-40B4-BE49-F238E27FC236}">
-                <a16:creationId xmlns:a16="http://schemas.microsoft.com/office/drawing/2014/main" id="{CFBD3098-3864-465D-81C7-0B9D1AFFCFBB}"/>
-              </a:ext>
-            </a:extLst>
-          </p:cNvPr>
-          <p:cNvPicPr>
-            <a:picLocks noChangeAspect="1"/>
-          </p:cNvPicPr>
+      <p:grpSp>
+        <p:nvGrpSpPr>
+          <p:cNvPr id="2" name="Groupe 1">
+            <a:extLst>
+              <a:ext uri="{FF2B5EF4-FFF2-40B4-BE49-F238E27FC236}">
+                <a16:creationId xmlns:a16="http://schemas.microsoft.com/office/drawing/2014/main" id="{5DA624B1-9703-4FC8-9921-B08DDBCD0D83}"/>
+              </a:ext>
+            </a:extLst>
+          </p:cNvPr>
+          <p:cNvGrpSpPr/>
           <p:nvPr/>
-        </p:nvPicPr>
-        <p:blipFill>
-          <a:blip r:embed="rId2">
-            <a:extLst>
-              <a:ext uri="{28A0092B-C50C-407E-A947-70E740481C1C}">
-                <a14:useLocalDpi xmlns:a14="http://schemas.microsoft.com/office/drawing/2010/main" val="0"/>
-              </a:ext>
-            </a:extLst>
-          </a:blip>
-          <a:stretch>
-            <a:fillRect/>
-          </a:stretch>
-        </p:blipFill>
-        <p:spPr>
+        </p:nvGrpSpPr>
+        <p:grpSpPr>
           <a:xfrm>
-            <a:off x="0" y="0"/>
-            <a:ext cx="12192000" cy="6858000"/>
+            <a:off x="1639916" y="745588"/>
+            <a:ext cx="10552084" cy="5884597"/>
+            <a:chOff x="1639916" y="727924"/>
+            <a:chExt cx="10056451" cy="5902261"/>
           </a:xfrm>
-          <a:prstGeom prst="rect">
-            <a:avLst/>
-          </a:prstGeom>
-        </p:spPr>
-      </p:pic>
-      <p:sp>
-        <p:nvSpPr>
-          <p:cNvPr id="14" name="ZoneTexte 13">
-            <a:extLst>
-              <a:ext uri="{FF2B5EF4-FFF2-40B4-BE49-F238E27FC236}">
-                <a16:creationId xmlns:a16="http://schemas.microsoft.com/office/drawing/2014/main" id="{ED25A13C-5182-43B8-BA93-2392CBAA124C}"/>
-              </a:ext>
-            </a:extLst>
-          </p:cNvPr>
-          <p:cNvSpPr txBox="1"/>
-          <p:nvPr/>
-        </p:nvSpPr>
-        <p:spPr>
-          <a:xfrm>
-            <a:off x="336004" y="2616541"/>
-            <a:ext cx="2240280" cy="646331"/>
-          </a:xfrm>
-          <a:prstGeom prst="rect">
-            <a:avLst/>
-          </a:prstGeom>
-          <a:solidFill>
-            <a:schemeClr val="bg1"/>
-          </a:solidFill>
-        </p:spPr>
-        <p:txBody>
-          <a:bodyPr wrap="square" rtlCol="0">
-            <a:spAutoFit/>
-          </a:bodyPr>
-          <a:lstStyle/>
-          <a:p>
-            <a:r>
-              <a:rPr lang="fr-FR" sz="1200" dirty="0" err="1"/>
-              <a:t>Emissionszertifikate</a:t>
-            </a:r>
-            <a:r>
-              <a:rPr lang="fr-FR" sz="1200" dirty="0"/>
-              <a:t> </a:t>
-            </a:r>
-          </a:p>
-          <a:p>
-            <a:r>
-              <a:rPr lang="fr-FR" sz="1200" dirty="0" err="1"/>
-              <a:t>verkaufen</a:t>
-            </a:r>
-            <a:r>
-              <a:rPr lang="fr-FR" sz="1200" dirty="0"/>
-              <a:t>,</a:t>
-            </a:r>
-          </a:p>
-          <a:p>
-            <a:r>
-              <a:rPr lang="fr-FR" sz="1200" dirty="0" err="1"/>
-              <a:t>Lizenzierung</a:t>
-            </a:r>
-            <a:r>
-              <a:rPr lang="fr-FR" sz="1200" dirty="0"/>
-              <a:t> von </a:t>
-            </a:r>
-            <a:r>
-              <a:rPr lang="fr-FR" sz="1200" dirty="0" err="1"/>
-              <a:t>Patentrechten</a:t>
-            </a:r>
-            <a:endParaRPr lang="fr-FR" sz="1200" dirty="0"/>
-          </a:p>
-        </p:txBody>
-      </p:sp>
-      <p:sp>
-        <p:nvSpPr>
-          <p:cNvPr id="16" name="ZoneTexte 15">
-            <a:extLst>
-              <a:ext uri="{FF2B5EF4-FFF2-40B4-BE49-F238E27FC236}">
-                <a16:creationId xmlns:a16="http://schemas.microsoft.com/office/drawing/2014/main" id="{68C78881-C3B2-4DB4-BA36-10FD69DA8108}"/>
-              </a:ext>
-            </a:extLst>
-          </p:cNvPr>
-          <p:cNvSpPr txBox="1"/>
-          <p:nvPr/>
-        </p:nvSpPr>
-        <p:spPr>
-          <a:xfrm>
-            <a:off x="3297554" y="1785907"/>
-            <a:ext cx="2065020" cy="1015663"/>
-          </a:xfrm>
-          <a:prstGeom prst="rect">
-            <a:avLst/>
-          </a:prstGeom>
-          <a:solidFill>
-            <a:schemeClr val="bg1"/>
-          </a:solidFill>
-        </p:spPr>
-        <p:txBody>
-          <a:bodyPr wrap="square" rtlCol="0">
-            <a:spAutoFit/>
-          </a:bodyPr>
-          <a:lstStyle/>
-          <a:p>
-            <a:r>
-              <a:rPr lang="fr-FR" sz="1200" dirty="0"/>
-              <a:t>GIGAFACTORY</a:t>
-            </a:r>
-          </a:p>
-          <a:p>
-            <a:r>
-              <a:rPr lang="fr-FR" sz="1200" dirty="0"/>
-              <a:t>Es </a:t>
-            </a:r>
-            <a:r>
-              <a:rPr lang="fr-FR" sz="1200" dirty="0" err="1"/>
-              <a:t>kann</a:t>
-            </a:r>
-            <a:r>
-              <a:rPr lang="fr-FR" sz="1200" dirty="0"/>
-              <a:t> </a:t>
-            </a:r>
-            <a:r>
-              <a:rPr lang="fr-FR" sz="1200" dirty="0" err="1"/>
-              <a:t>genug</a:t>
-            </a:r>
-            <a:r>
-              <a:rPr lang="fr-FR" sz="1200" dirty="0"/>
-              <a:t> Energie </a:t>
-            </a:r>
-            <a:r>
-              <a:rPr lang="fr-FR" sz="1200" dirty="0" err="1"/>
-              <a:t>produzieren</a:t>
-            </a:r>
-            <a:r>
-              <a:rPr lang="fr-FR" sz="1200" dirty="0"/>
-              <a:t> </a:t>
-            </a:r>
-            <a:r>
-              <a:rPr lang="fr-FR" sz="1200" dirty="0" err="1"/>
-              <a:t>für</a:t>
-            </a:r>
-            <a:r>
-              <a:rPr lang="fr-FR" sz="1200" dirty="0"/>
-              <a:t> die </a:t>
-            </a:r>
-            <a:r>
-              <a:rPr lang="fr-FR" sz="1200" dirty="0" err="1"/>
-              <a:t>Produktion</a:t>
-            </a:r>
-            <a:r>
-              <a:rPr lang="fr-FR" sz="1200" dirty="0"/>
-              <a:t>.</a:t>
-            </a:r>
-          </a:p>
-          <a:p>
-            <a:r>
-              <a:rPr lang="fr-FR" sz="1200" dirty="0"/>
-              <a:t>(</a:t>
-            </a:r>
-            <a:r>
-              <a:rPr lang="fr-FR" sz="1200" dirty="0" err="1"/>
-              <a:t>Batterien</a:t>
-            </a:r>
-            <a:r>
-              <a:rPr lang="fr-FR" sz="1200" dirty="0"/>
-              <a:t>)</a:t>
-            </a:r>
-          </a:p>
-        </p:txBody>
-      </p:sp>
-      <p:sp>
-        <p:nvSpPr>
-          <p:cNvPr id="19" name="Rectangle 18">
-            <a:extLst>
-              <a:ext uri="{FF2B5EF4-FFF2-40B4-BE49-F238E27FC236}">
-                <a16:creationId xmlns:a16="http://schemas.microsoft.com/office/drawing/2014/main" id="{D543DCC7-EEEE-439D-BE48-5E2FA6BA6EAA}"/>
-              </a:ext>
-            </a:extLst>
-          </p:cNvPr>
-          <p:cNvSpPr/>
-          <p:nvPr/>
-        </p:nvSpPr>
-        <p:spPr>
-          <a:xfrm>
-            <a:off x="0" y="57695"/>
-            <a:ext cx="12167688" cy="1437276"/>
-          </a:xfrm>
-          <a:prstGeom prst="rect">
-            <a:avLst/>
-          </a:prstGeom>
-          <a:solidFill>
-            <a:schemeClr val="bg1"/>
-          </a:solidFill>
-          <a:ln>
-            <a:solidFill>
-              <a:schemeClr val="bg1"/>
-            </a:solidFill>
-          </a:ln>
-        </p:spPr>
-        <p:style>
-          <a:lnRef idx="2">
-            <a:schemeClr val="accent1">
-              <a:shade val="50000"/>
-            </a:schemeClr>
-          </a:lnRef>
-          <a:fillRef idx="1">
-            <a:schemeClr val="accent1"/>
-          </a:fillRef>
-          <a:effectRef idx="0">
-            <a:schemeClr val="accent1"/>
-          </a:effectRef>
-          <a:fontRef idx="minor">
-            <a:schemeClr val="lt1"/>
-          </a:fontRef>
-        </p:style>
-        <p:txBody>
-          <a:bodyPr rtlCol="0" anchor="ctr"/>
-          <a:lstStyle/>
-          <a:p>
-            <a:pPr algn="ctr"/>
-            <a:endParaRPr lang="fr-FR"/>
-          </a:p>
-        </p:txBody>
-      </p:sp>
-      <p:sp>
-        <p:nvSpPr>
-          <p:cNvPr id="20" name="ZoneTexte 19">
-            <a:extLst>
-              <a:ext uri="{FF2B5EF4-FFF2-40B4-BE49-F238E27FC236}">
-                <a16:creationId xmlns:a16="http://schemas.microsoft.com/office/drawing/2014/main" id="{73E2F8CA-E201-4F42-A5F0-A935CF6FC874}"/>
-              </a:ext>
-            </a:extLst>
-          </p:cNvPr>
-          <p:cNvSpPr txBox="1"/>
-          <p:nvPr/>
-        </p:nvSpPr>
-        <p:spPr>
-          <a:xfrm>
-            <a:off x="6083844" y="1785544"/>
-            <a:ext cx="2065020" cy="830997"/>
-          </a:xfrm>
-          <a:prstGeom prst="rect">
-            <a:avLst/>
-          </a:prstGeom>
-          <a:solidFill>
-            <a:schemeClr val="bg1"/>
-          </a:solidFill>
-        </p:spPr>
-        <p:txBody>
-          <a:bodyPr wrap="square" rtlCol="0">
-            <a:spAutoFit/>
-          </a:bodyPr>
-          <a:lstStyle/>
-          <a:p>
-            <a:r>
-              <a:rPr lang="fr-FR" sz="1200" dirty="0"/>
-              <a:t>Die </a:t>
-            </a:r>
-            <a:r>
-              <a:rPr lang="fr-FR" sz="1200" dirty="0" err="1"/>
-              <a:t>Firma</a:t>
-            </a:r>
-            <a:r>
-              <a:rPr lang="fr-FR" sz="1200" dirty="0"/>
-              <a:t> </a:t>
-            </a:r>
-            <a:r>
-              <a:rPr lang="fr-FR" sz="1200" dirty="0" err="1"/>
-              <a:t>besitzt</a:t>
-            </a:r>
-            <a:r>
-              <a:rPr lang="fr-FR" sz="1200" dirty="0"/>
-              <a:t> seine </a:t>
-            </a:r>
-            <a:r>
-              <a:rPr lang="fr-FR" sz="1200" dirty="0" err="1"/>
-              <a:t>eigene</a:t>
-            </a:r>
-            <a:r>
-              <a:rPr lang="fr-FR" sz="1200" dirty="0"/>
-              <a:t> </a:t>
-            </a:r>
-            <a:r>
-              <a:rPr lang="fr-FR" sz="1200" dirty="0" err="1"/>
-              <a:t>Geschäfte</a:t>
-            </a:r>
-            <a:r>
-              <a:rPr lang="fr-FR" sz="1200" dirty="0"/>
-              <a:t>. </a:t>
-            </a:r>
-          </a:p>
-          <a:p>
-            <a:r>
-              <a:rPr lang="fr-FR" sz="1200" dirty="0"/>
-              <a:t>Es </a:t>
-            </a:r>
-            <a:r>
-              <a:rPr lang="fr-FR" sz="1200" dirty="0" err="1"/>
-              <a:t>ist</a:t>
-            </a:r>
-            <a:r>
-              <a:rPr lang="fr-FR" sz="1200" dirty="0"/>
-              <a:t> mit Apple </a:t>
-            </a:r>
-            <a:r>
-              <a:rPr lang="fr-FR" sz="1200" dirty="0" err="1"/>
-              <a:t>Store’s</a:t>
-            </a:r>
-            <a:r>
-              <a:rPr lang="fr-FR" sz="1200" dirty="0"/>
-              <a:t> </a:t>
-            </a:r>
-            <a:r>
-              <a:rPr lang="fr-FR" sz="1200" dirty="0" err="1"/>
-              <a:t>Prinzip</a:t>
-            </a:r>
-            <a:r>
-              <a:rPr lang="fr-FR" sz="1200" dirty="0"/>
-              <a:t> </a:t>
-            </a:r>
-            <a:r>
-              <a:rPr lang="fr-FR" sz="1200" dirty="0" err="1"/>
-              <a:t>vergleichbar</a:t>
-            </a:r>
-            <a:r>
-              <a:rPr lang="fr-FR" sz="1200" dirty="0"/>
-              <a:t>.</a:t>
-            </a:r>
-          </a:p>
-        </p:txBody>
-      </p:sp>
-      <p:sp>
-        <p:nvSpPr>
-          <p:cNvPr id="21" name="ZoneTexte 20">
-            <a:extLst>
-              <a:ext uri="{FF2B5EF4-FFF2-40B4-BE49-F238E27FC236}">
-                <a16:creationId xmlns:a16="http://schemas.microsoft.com/office/drawing/2014/main" id="{7964F37F-78DE-44A0-B308-2BF52D50A5A6}"/>
-              </a:ext>
-            </a:extLst>
-          </p:cNvPr>
-          <p:cNvSpPr txBox="1"/>
-          <p:nvPr/>
-        </p:nvSpPr>
-        <p:spPr>
-          <a:xfrm>
-            <a:off x="8766628" y="1547380"/>
-            <a:ext cx="1624687" cy="1015663"/>
-          </a:xfrm>
-          <a:prstGeom prst="rect">
-            <a:avLst/>
-          </a:prstGeom>
-          <a:solidFill>
-            <a:schemeClr val="bg1"/>
-          </a:solidFill>
-        </p:spPr>
-        <p:txBody>
-          <a:bodyPr wrap="square" rtlCol="0">
-            <a:spAutoFit/>
-          </a:bodyPr>
-          <a:lstStyle/>
-          <a:p>
-            <a:r>
-              <a:rPr lang="de-DE" sz="1200" dirty="0"/>
-              <a:t>Kostenloses Laden an den Tesla-Ladestationen.</a:t>
-            </a:r>
-          </a:p>
-          <a:p>
-            <a:r>
-              <a:rPr lang="de-DE" sz="1200" dirty="0"/>
-              <a:t>90 Sekunden Batteriewechsel</a:t>
-            </a:r>
-            <a:endParaRPr lang="fr-FR" sz="1200" dirty="0"/>
-          </a:p>
-        </p:txBody>
-      </p:sp>
-      <p:sp>
-        <p:nvSpPr>
-          <p:cNvPr id="23" name="ZoneTexte 22">
-            <a:extLst>
-              <a:ext uri="{FF2B5EF4-FFF2-40B4-BE49-F238E27FC236}">
-                <a16:creationId xmlns:a16="http://schemas.microsoft.com/office/drawing/2014/main" id="{B32E06CD-5F75-4AE0-9F1A-EF778CEC582E}"/>
-              </a:ext>
-            </a:extLst>
-          </p:cNvPr>
-          <p:cNvSpPr txBox="1"/>
-          <p:nvPr/>
-        </p:nvSpPr>
-        <p:spPr>
-          <a:xfrm>
-            <a:off x="3413668" y="4928250"/>
-            <a:ext cx="2798446" cy="292388"/>
-          </a:xfrm>
-          <a:prstGeom prst="rect">
-            <a:avLst/>
-          </a:prstGeom>
-          <a:solidFill>
-            <a:schemeClr val="bg1"/>
-          </a:solidFill>
-        </p:spPr>
-        <p:txBody>
-          <a:bodyPr wrap="square" rtlCol="0">
-            <a:spAutoFit/>
-          </a:bodyPr>
-          <a:lstStyle/>
-          <a:p>
-            <a:endParaRPr lang="fr-FR" sz="1300" dirty="0"/>
-          </a:p>
-        </p:txBody>
-      </p:sp>
-      <p:sp>
-        <p:nvSpPr>
-          <p:cNvPr id="24" name="ZoneTexte 23">
-            <a:extLst>
-              <a:ext uri="{FF2B5EF4-FFF2-40B4-BE49-F238E27FC236}">
-                <a16:creationId xmlns:a16="http://schemas.microsoft.com/office/drawing/2014/main" id="{A0CEA3F6-1DA3-47FE-86CF-3BF9A745AC23}"/>
-              </a:ext>
-            </a:extLst>
-          </p:cNvPr>
-          <p:cNvSpPr txBox="1"/>
-          <p:nvPr/>
-        </p:nvSpPr>
-        <p:spPr>
-          <a:xfrm>
-            <a:off x="8940800" y="4922694"/>
-            <a:ext cx="2065020" cy="400110"/>
-          </a:xfrm>
-          <a:prstGeom prst="rect">
-            <a:avLst/>
-          </a:prstGeom>
-          <a:solidFill>
-            <a:schemeClr val="bg1"/>
-          </a:solidFill>
-        </p:spPr>
-        <p:txBody>
-          <a:bodyPr wrap="square" rtlCol="0">
-            <a:spAutoFit/>
-          </a:bodyPr>
-          <a:lstStyle/>
-          <a:p>
-            <a:r>
-              <a:rPr lang="fr-FR" sz="2000" b="1" dirty="0">
+        </p:grpSpPr>
+        <p:sp>
+          <p:nvSpPr>
+            <p:cNvPr id="4" name="Rectangle 3">
+              <a:extLst>
+                <a:ext uri="{FF2B5EF4-FFF2-40B4-BE49-F238E27FC236}">
+                  <a16:creationId xmlns:a16="http://schemas.microsoft.com/office/drawing/2014/main" id="{65A56016-E0A8-432F-8C4F-069138A493D0}"/>
+                </a:ext>
+              </a:extLst>
+            </p:cNvPr>
+            <p:cNvSpPr/>
+            <p:nvPr/>
+          </p:nvSpPr>
+          <p:spPr>
+            <a:xfrm>
+              <a:off x="1639916" y="4815862"/>
+              <a:ext cx="1111348" cy="1814321"/>
+            </a:xfrm>
+            <a:prstGeom prst="rect">
+              <a:avLst/>
+            </a:prstGeom>
+          </p:spPr>
+          <p:style>
+            <a:lnRef idx="2">
+              <a:schemeClr val="accent1">
+                <a:shade val="50000"/>
+              </a:schemeClr>
+            </a:lnRef>
+            <a:fillRef idx="1">
+              <a:schemeClr val="accent1"/>
+            </a:fillRef>
+            <a:effectRef idx="0">
+              <a:schemeClr val="accent1"/>
+            </a:effectRef>
+            <a:fontRef idx="minor">
+              <a:schemeClr val="lt1"/>
+            </a:fontRef>
+          </p:style>
+          <p:txBody>
+            <a:bodyPr rtlCol="0" anchor="ctr"/>
+            <a:lstStyle/>
+            <a:p>
+              <a:pPr algn="ctr"/>
+              <a:r>
+                <a:rPr lang="fr-FR" dirty="0"/>
+                <a:t>Design</a:t>
+              </a:r>
+            </a:p>
+          </p:txBody>
+        </p:sp>
+        <p:sp>
+          <p:nvSpPr>
+            <p:cNvPr id="5" name="Rectangle 4">
+              <a:extLst>
+                <a:ext uri="{FF2B5EF4-FFF2-40B4-BE49-F238E27FC236}">
+                  <a16:creationId xmlns:a16="http://schemas.microsoft.com/office/drawing/2014/main" id="{DB093C40-97DB-4270-9DF1-3182915DB099}"/>
+                </a:ext>
+              </a:extLst>
+            </p:cNvPr>
+            <p:cNvSpPr/>
+            <p:nvPr/>
+          </p:nvSpPr>
+          <p:spPr>
+            <a:xfrm>
+              <a:off x="2813350" y="4815862"/>
+              <a:ext cx="1294426" cy="1814321"/>
+            </a:xfrm>
+            <a:prstGeom prst="rect">
+              <a:avLst/>
+            </a:prstGeom>
+          </p:spPr>
+          <p:style>
+            <a:lnRef idx="2">
+              <a:schemeClr val="accent1">
+                <a:shade val="50000"/>
+              </a:schemeClr>
+            </a:lnRef>
+            <a:fillRef idx="1">
+              <a:schemeClr val="accent1"/>
+            </a:fillRef>
+            <a:effectRef idx="0">
+              <a:schemeClr val="accent1"/>
+            </a:effectRef>
+            <a:fontRef idx="minor">
+              <a:schemeClr val="lt1"/>
+            </a:fontRef>
+          </p:style>
+          <p:txBody>
+            <a:bodyPr rtlCol="0" anchor="ctr"/>
+            <a:lstStyle/>
+            <a:p>
+              <a:pPr algn="ctr"/>
+              <a:r>
+                <a:rPr lang="fr-FR" dirty="0"/>
+                <a:t>Engineering</a:t>
+              </a:r>
+            </a:p>
+          </p:txBody>
+        </p:sp>
+        <p:sp>
+          <p:nvSpPr>
+            <p:cNvPr id="6" name="Rectangle 5">
+              <a:extLst>
+                <a:ext uri="{FF2B5EF4-FFF2-40B4-BE49-F238E27FC236}">
+                  <a16:creationId xmlns:a16="http://schemas.microsoft.com/office/drawing/2014/main" id="{3C4809F6-9619-4E89-B8AD-115AD2724B51}"/>
+                </a:ext>
+              </a:extLst>
+            </p:cNvPr>
+            <p:cNvSpPr/>
+            <p:nvPr/>
+          </p:nvSpPr>
+          <p:spPr>
+            <a:xfrm>
+              <a:off x="4169862" y="4815863"/>
+              <a:ext cx="1111348" cy="1805636"/>
+            </a:xfrm>
+            <a:prstGeom prst="rect">
+              <a:avLst/>
+            </a:prstGeom>
+          </p:spPr>
+          <p:style>
+            <a:lnRef idx="2">
+              <a:schemeClr val="accent1">
+                <a:shade val="50000"/>
+              </a:schemeClr>
+            </a:lnRef>
+            <a:fillRef idx="1">
+              <a:schemeClr val="accent1"/>
+            </a:fillRef>
+            <a:effectRef idx="0">
+              <a:schemeClr val="accent1"/>
+            </a:effectRef>
+            <a:fontRef idx="minor">
+              <a:schemeClr val="lt1"/>
+            </a:fontRef>
+          </p:style>
+          <p:txBody>
+            <a:bodyPr rtlCol="0" anchor="ctr"/>
+            <a:lstStyle/>
+            <a:p>
+              <a:pPr algn="ctr"/>
+              <a:r>
+                <a:rPr lang="fr-FR" dirty="0" err="1"/>
+                <a:t>Fertigung</a:t>
+              </a:r>
+              <a:endParaRPr lang="fr-FR" dirty="0"/>
+            </a:p>
+          </p:txBody>
+        </p:sp>
+        <p:sp>
+          <p:nvSpPr>
+            <p:cNvPr id="7" name="Rectangle 6">
+              <a:extLst>
+                <a:ext uri="{FF2B5EF4-FFF2-40B4-BE49-F238E27FC236}">
+                  <a16:creationId xmlns:a16="http://schemas.microsoft.com/office/drawing/2014/main" id="{DB5C4239-7076-476A-885E-77A7C758E662}"/>
+                </a:ext>
+              </a:extLst>
+            </p:cNvPr>
+            <p:cNvSpPr/>
+            <p:nvPr/>
+          </p:nvSpPr>
+          <p:spPr>
+            <a:xfrm>
+              <a:off x="5329228" y="4815862"/>
+              <a:ext cx="1111348" cy="1814323"/>
+            </a:xfrm>
+            <a:prstGeom prst="rect">
+              <a:avLst/>
+            </a:prstGeom>
+          </p:spPr>
+          <p:style>
+            <a:lnRef idx="2">
+              <a:schemeClr val="accent1">
+                <a:shade val="50000"/>
+              </a:schemeClr>
+            </a:lnRef>
+            <a:fillRef idx="1">
+              <a:schemeClr val="accent1"/>
+            </a:fillRef>
+            <a:effectRef idx="0">
+              <a:schemeClr val="accent1"/>
+            </a:effectRef>
+            <a:fontRef idx="minor">
+              <a:schemeClr val="lt1"/>
+            </a:fontRef>
+          </p:style>
+          <p:txBody>
+            <a:bodyPr rtlCol="0" anchor="ctr"/>
+            <a:lstStyle/>
+            <a:p>
+              <a:pPr algn="ctr"/>
+              <a:r>
+                <a:rPr lang="fr-FR" dirty="0" err="1"/>
+                <a:t>Verkauf</a:t>
+              </a:r>
+              <a:r>
+                <a:rPr lang="fr-FR" dirty="0"/>
+                <a:t> und </a:t>
+              </a:r>
+              <a:r>
+                <a:rPr lang="fr-FR" dirty="0" err="1"/>
+                <a:t>Vertrieb</a:t>
+              </a:r>
+              <a:endParaRPr lang="fr-FR" dirty="0"/>
+            </a:p>
+            <a:p>
+              <a:pPr algn="ctr"/>
+              <a:endParaRPr lang="fr-FR" dirty="0"/>
+            </a:p>
+          </p:txBody>
+        </p:sp>
+        <p:sp>
+          <p:nvSpPr>
+            <p:cNvPr id="8" name="Rectangle 7">
+              <a:extLst>
+                <a:ext uri="{FF2B5EF4-FFF2-40B4-BE49-F238E27FC236}">
+                  <a16:creationId xmlns:a16="http://schemas.microsoft.com/office/drawing/2014/main" id="{2BC89347-7EFB-4A44-876C-FD895C764575}"/>
+                </a:ext>
+              </a:extLst>
+            </p:cNvPr>
+            <p:cNvSpPr/>
+            <p:nvPr/>
+          </p:nvSpPr>
+          <p:spPr>
+            <a:xfrm>
+              <a:off x="6499288" y="4815862"/>
+              <a:ext cx="1111348" cy="1805636"/>
+            </a:xfrm>
+            <a:prstGeom prst="rect">
+              <a:avLst/>
+            </a:prstGeom>
+          </p:spPr>
+          <p:style>
+            <a:lnRef idx="2">
+              <a:schemeClr val="accent1">
+                <a:shade val="50000"/>
+              </a:schemeClr>
+            </a:lnRef>
+            <a:fillRef idx="1">
+              <a:schemeClr val="accent1"/>
+            </a:fillRef>
+            <a:effectRef idx="0">
+              <a:schemeClr val="accent1"/>
+            </a:effectRef>
+            <a:fontRef idx="minor">
+              <a:schemeClr val="lt1"/>
+            </a:fontRef>
+          </p:style>
+          <p:txBody>
+            <a:bodyPr rtlCol="0" anchor="ctr"/>
+            <a:lstStyle/>
+            <a:p>
+              <a:pPr algn="ctr"/>
+              <a:r>
+                <a:rPr lang="fr-FR" dirty="0" err="1"/>
+                <a:t>Dienst</a:t>
+              </a:r>
+              <a:endParaRPr lang="fr-FR" dirty="0"/>
+            </a:p>
+          </p:txBody>
+        </p:sp>
+        <p:sp>
+          <p:nvSpPr>
+            <p:cNvPr id="9" name="Rectangle 8">
+              <a:extLst>
+                <a:ext uri="{FF2B5EF4-FFF2-40B4-BE49-F238E27FC236}">
+                  <a16:creationId xmlns:a16="http://schemas.microsoft.com/office/drawing/2014/main" id="{25738B4A-28C3-4A06-9509-79E4F2379033}"/>
+                </a:ext>
+              </a:extLst>
+            </p:cNvPr>
+            <p:cNvSpPr/>
+            <p:nvPr/>
+          </p:nvSpPr>
+          <p:spPr>
+            <a:xfrm>
+              <a:off x="7655279" y="4815860"/>
+              <a:ext cx="2065019" cy="1814323"/>
+            </a:xfrm>
+            <a:prstGeom prst="rect">
+              <a:avLst/>
+            </a:prstGeom>
+          </p:spPr>
+          <p:style>
+            <a:lnRef idx="2">
+              <a:schemeClr val="accent1">
+                <a:shade val="50000"/>
+              </a:schemeClr>
+            </a:lnRef>
+            <a:fillRef idx="1">
+              <a:schemeClr val="accent1"/>
+            </a:fillRef>
+            <a:effectRef idx="0">
+              <a:schemeClr val="accent1"/>
+            </a:effectRef>
+            <a:fontRef idx="minor">
+              <a:schemeClr val="lt1"/>
+            </a:fontRef>
+          </p:style>
+          <p:txBody>
+            <a:bodyPr rtlCol="0" anchor="ctr"/>
+            <a:lstStyle/>
+            <a:p>
+              <a:r>
+                <a:rPr lang="fr-FR" dirty="0" err="1"/>
+                <a:t>Beschickung</a:t>
+              </a:r>
+              <a:endParaRPr lang="fr-FR" dirty="0"/>
+            </a:p>
+            <a:p>
+              <a:pPr algn="ctr"/>
+              <a:endParaRPr lang="fr-FR" dirty="0"/>
+            </a:p>
+          </p:txBody>
+        </p:sp>
+        <p:sp>
+          <p:nvSpPr>
+            <p:cNvPr id="10" name="Rectangle 9">
+              <a:extLst>
+                <a:ext uri="{FF2B5EF4-FFF2-40B4-BE49-F238E27FC236}">
+                  <a16:creationId xmlns:a16="http://schemas.microsoft.com/office/drawing/2014/main" id="{6D67266C-2E4F-4C6A-8172-B26C9DC2D4F7}"/>
+                </a:ext>
+              </a:extLst>
+            </p:cNvPr>
+            <p:cNvSpPr/>
+            <p:nvPr/>
+          </p:nvSpPr>
+          <p:spPr>
+            <a:xfrm>
+              <a:off x="1653476" y="3996647"/>
+              <a:ext cx="8457353" cy="776879"/>
+            </a:xfrm>
+            <a:prstGeom prst="rect">
+              <a:avLst/>
+            </a:prstGeom>
+          </p:spPr>
+          <p:style>
+            <a:lnRef idx="2">
+              <a:schemeClr val="accent1">
+                <a:shade val="50000"/>
+              </a:schemeClr>
+            </a:lnRef>
+            <a:fillRef idx="1">
+              <a:schemeClr val="accent1"/>
+            </a:fillRef>
+            <a:effectRef idx="0">
+              <a:schemeClr val="accent1"/>
+            </a:effectRef>
+            <a:fontRef idx="minor">
+              <a:schemeClr val="lt1"/>
+            </a:fontRef>
+          </p:style>
+          <p:txBody>
+            <a:bodyPr rtlCol="0" anchor="ctr"/>
+            <a:lstStyle/>
+            <a:p>
+              <a:pPr algn="ctr"/>
+              <a:r>
+                <a:rPr lang="fr-FR" dirty="0" err="1"/>
+                <a:t>Entwicklung</a:t>
+              </a:r>
+              <a:endParaRPr lang="fr-FR" dirty="0"/>
+            </a:p>
+          </p:txBody>
+        </p:sp>
+        <p:sp>
+          <p:nvSpPr>
+            <p:cNvPr id="11" name="Rectangle 10">
+              <a:extLst>
+                <a:ext uri="{FF2B5EF4-FFF2-40B4-BE49-F238E27FC236}">
+                  <a16:creationId xmlns:a16="http://schemas.microsoft.com/office/drawing/2014/main" id="{89239B8C-EC0F-4D6E-B6C3-E0386B007731}"/>
+                </a:ext>
+              </a:extLst>
+            </p:cNvPr>
+            <p:cNvSpPr/>
+            <p:nvPr/>
+          </p:nvSpPr>
+          <p:spPr>
+            <a:xfrm>
+              <a:off x="1665199" y="3177431"/>
+              <a:ext cx="8726115" cy="776879"/>
+            </a:xfrm>
+            <a:prstGeom prst="rect">
+              <a:avLst/>
+            </a:prstGeom>
+          </p:spPr>
+          <p:style>
+            <a:lnRef idx="2">
+              <a:schemeClr val="accent1">
+                <a:shade val="50000"/>
+              </a:schemeClr>
+            </a:lnRef>
+            <a:fillRef idx="1">
+              <a:schemeClr val="accent1"/>
+            </a:fillRef>
+            <a:effectRef idx="0">
+              <a:schemeClr val="accent1"/>
+            </a:effectRef>
+            <a:fontRef idx="minor">
+              <a:schemeClr val="lt1"/>
+            </a:fontRef>
+          </p:style>
+          <p:txBody>
+            <a:bodyPr rtlCol="0" anchor="ctr"/>
+            <a:lstStyle/>
+            <a:p>
+              <a:pPr algn="ctr"/>
+              <a:r>
+                <a:rPr lang="fr-FR" dirty="0" err="1"/>
+                <a:t>Personelle</a:t>
+              </a:r>
+              <a:r>
+                <a:rPr lang="fr-FR" dirty="0"/>
+                <a:t> </a:t>
+              </a:r>
+              <a:r>
+                <a:rPr lang="fr-FR" dirty="0" err="1"/>
+                <a:t>Ressourcen</a:t>
+              </a:r>
+              <a:endParaRPr lang="fr-FR" dirty="0"/>
+            </a:p>
+          </p:txBody>
+        </p:sp>
+        <p:sp>
+          <p:nvSpPr>
+            <p:cNvPr id="12" name="Rectangle 11">
+              <a:extLst>
+                <a:ext uri="{FF2B5EF4-FFF2-40B4-BE49-F238E27FC236}">
+                  <a16:creationId xmlns:a16="http://schemas.microsoft.com/office/drawing/2014/main" id="{9D226310-BB0D-4797-900B-8B781E532270}"/>
+                </a:ext>
+              </a:extLst>
+            </p:cNvPr>
+            <p:cNvSpPr/>
+            <p:nvPr/>
+          </p:nvSpPr>
+          <p:spPr>
+            <a:xfrm>
+              <a:off x="1665200" y="1560600"/>
+              <a:ext cx="8445628" cy="776879"/>
+            </a:xfrm>
+            <a:prstGeom prst="rect">
+              <a:avLst/>
+            </a:prstGeom>
+          </p:spPr>
+          <p:style>
+            <a:lnRef idx="2">
+              <a:schemeClr val="accent1">
+                <a:shade val="50000"/>
+              </a:schemeClr>
+            </a:lnRef>
+            <a:fillRef idx="1">
+              <a:schemeClr val="accent1"/>
+            </a:fillRef>
+            <a:effectRef idx="0">
+              <a:schemeClr val="accent1"/>
+            </a:effectRef>
+            <a:fontRef idx="minor">
+              <a:schemeClr val="lt1"/>
+            </a:fontRef>
+          </p:style>
+          <p:txBody>
+            <a:bodyPr rtlCol="0" anchor="ctr"/>
+            <a:lstStyle/>
+            <a:p>
+              <a:pPr algn="ctr"/>
+              <a:r>
+                <a:rPr lang="fr-FR" dirty="0" err="1"/>
+                <a:t>Finanzierung</a:t>
+              </a:r>
+              <a:endParaRPr lang="fr-FR" dirty="0"/>
+            </a:p>
+          </p:txBody>
+        </p:sp>
+        <p:sp>
+          <p:nvSpPr>
+            <p:cNvPr id="13" name="Rectangle 12">
+              <a:extLst>
+                <a:ext uri="{FF2B5EF4-FFF2-40B4-BE49-F238E27FC236}">
+                  <a16:creationId xmlns:a16="http://schemas.microsoft.com/office/drawing/2014/main" id="{BF0A6339-F457-49E7-8F4D-DB3BD02549E0}"/>
+                </a:ext>
+              </a:extLst>
+            </p:cNvPr>
+            <p:cNvSpPr/>
+            <p:nvPr/>
+          </p:nvSpPr>
+          <p:spPr>
+            <a:xfrm>
+              <a:off x="1661269" y="728235"/>
+              <a:ext cx="8445628" cy="790028"/>
+            </a:xfrm>
+            <a:prstGeom prst="rect">
+              <a:avLst/>
+            </a:prstGeom>
+          </p:spPr>
+          <p:style>
+            <a:lnRef idx="2">
+              <a:schemeClr val="accent1">
+                <a:shade val="50000"/>
+              </a:schemeClr>
+            </a:lnRef>
+            <a:fillRef idx="1">
+              <a:schemeClr val="accent1"/>
+            </a:fillRef>
+            <a:effectRef idx="0">
+              <a:schemeClr val="accent1"/>
+            </a:effectRef>
+            <a:fontRef idx="minor">
+              <a:schemeClr val="lt1"/>
+            </a:fontRef>
+          </p:style>
+          <p:txBody>
+            <a:bodyPr rtlCol="0" anchor="ctr"/>
+            <a:lstStyle/>
+            <a:p>
+              <a:pPr algn="ctr"/>
+              <a:r>
+                <a:rPr lang="fr-FR" dirty="0"/>
+                <a:t>Elon Musk</a:t>
+              </a:r>
+            </a:p>
+          </p:txBody>
+        </p:sp>
+        <p:sp>
+          <p:nvSpPr>
+            <p:cNvPr id="14" name="Rectangle 13">
+              <a:extLst>
+                <a:ext uri="{FF2B5EF4-FFF2-40B4-BE49-F238E27FC236}">
+                  <a16:creationId xmlns:a16="http://schemas.microsoft.com/office/drawing/2014/main" id="{CEF51464-0F26-4FBA-94FE-E38E59B79FF9}"/>
+                </a:ext>
+              </a:extLst>
+            </p:cNvPr>
+            <p:cNvSpPr/>
+            <p:nvPr/>
+          </p:nvSpPr>
+          <p:spPr>
+            <a:xfrm>
+              <a:off x="1665199" y="2376521"/>
+              <a:ext cx="8445629" cy="776879"/>
+            </a:xfrm>
+            <a:prstGeom prst="rect">
+              <a:avLst/>
+            </a:prstGeom>
+          </p:spPr>
+          <p:style>
+            <a:lnRef idx="2">
+              <a:schemeClr val="accent1">
+                <a:shade val="50000"/>
+              </a:schemeClr>
+            </a:lnRef>
+            <a:fillRef idx="1">
+              <a:schemeClr val="accent1"/>
+            </a:fillRef>
+            <a:effectRef idx="0">
+              <a:schemeClr val="accent1"/>
+            </a:effectRef>
+            <a:fontRef idx="minor">
+              <a:schemeClr val="lt1"/>
+            </a:fontRef>
+          </p:style>
+          <p:txBody>
+            <a:bodyPr rtlCol="0" anchor="ctr"/>
+            <a:lstStyle/>
+            <a:p>
+              <a:pPr algn="ctr"/>
+              <a:r>
+                <a:rPr lang="fr-FR" dirty="0" err="1"/>
+                <a:t>Lieferanten</a:t>
+              </a:r>
+              <a:endParaRPr lang="fr-FR" dirty="0"/>
+            </a:p>
+          </p:txBody>
+        </p:sp>
+        <p:sp>
+          <p:nvSpPr>
+            <p:cNvPr id="15" name="Flèche : chevron 14">
+              <a:extLst>
+                <a:ext uri="{FF2B5EF4-FFF2-40B4-BE49-F238E27FC236}">
+                  <a16:creationId xmlns:a16="http://schemas.microsoft.com/office/drawing/2014/main" id="{89AF30F9-C5E2-4DC6-B4FF-8AF951FDDB1C}"/>
+                </a:ext>
+              </a:extLst>
+            </p:cNvPr>
+            <p:cNvSpPr/>
+            <p:nvPr/>
+          </p:nvSpPr>
+          <p:spPr>
+            <a:xfrm>
+              <a:off x="8497245" y="727924"/>
+              <a:ext cx="3199122" cy="5902259"/>
+            </a:xfrm>
+            <a:prstGeom prst="chevron">
+              <a:avLst/>
+            </a:prstGeom>
+          </p:spPr>
+          <p:style>
+            <a:lnRef idx="2">
+              <a:schemeClr val="accent1">
+                <a:shade val="50000"/>
+              </a:schemeClr>
+            </a:lnRef>
+            <a:fillRef idx="1">
+              <a:schemeClr val="accent1"/>
+            </a:fillRef>
+            <a:effectRef idx="0">
+              <a:schemeClr val="accent1"/>
+            </a:effectRef>
+            <a:fontRef idx="minor">
+              <a:schemeClr val="lt1"/>
+            </a:fontRef>
+          </p:style>
+          <p:txBody>
+            <a:bodyPr rtlCol="0" anchor="ctr"/>
+            <a:lstStyle/>
+            <a:p>
+              <a:pPr algn="ctr"/>
+              <a:endParaRPr lang="fr-FR">
                 <a:solidFill>
-                  <a:schemeClr val="accent1">
-                    <a:lumMod val="75000"/>
-                  </a:schemeClr>
+                  <a:schemeClr val="tx1"/>
                 </a:solidFill>
-              </a:rPr>
-              <a:t>KUNDEN</a:t>
-            </a:r>
-          </a:p>
-        </p:txBody>
-      </p:sp>
-      <p:sp>
-        <p:nvSpPr>
-          <p:cNvPr id="25" name="Rectangle 24">
-            <a:extLst>
-              <a:ext uri="{FF2B5EF4-FFF2-40B4-BE49-F238E27FC236}">
-                <a16:creationId xmlns:a16="http://schemas.microsoft.com/office/drawing/2014/main" id="{F25C341D-EC95-455C-A89E-919A8D48803A}"/>
-              </a:ext>
-            </a:extLst>
-          </p:cNvPr>
-          <p:cNvSpPr/>
-          <p:nvPr/>
-        </p:nvSpPr>
-        <p:spPr>
-          <a:xfrm>
-            <a:off x="0" y="6260628"/>
-            <a:ext cx="12192000" cy="646332"/>
-          </a:xfrm>
-          <a:prstGeom prst="rect">
-            <a:avLst/>
-          </a:prstGeom>
-          <a:solidFill>
-            <a:schemeClr val="bg1"/>
-          </a:solidFill>
-          <a:ln>
-            <a:solidFill>
-              <a:schemeClr val="bg1"/>
-            </a:solidFill>
-          </a:ln>
-        </p:spPr>
-        <p:style>
-          <a:lnRef idx="2">
-            <a:schemeClr val="accent1">
-              <a:shade val="50000"/>
-            </a:schemeClr>
-          </a:lnRef>
-          <a:fillRef idx="1">
-            <a:schemeClr val="accent1"/>
-          </a:fillRef>
-          <a:effectRef idx="0">
-            <a:schemeClr val="accent1"/>
-          </a:effectRef>
-          <a:fontRef idx="minor">
-            <a:schemeClr val="lt1"/>
-          </a:fontRef>
-        </p:style>
-        <p:txBody>
-          <a:bodyPr rtlCol="0" anchor="ctr"/>
-          <a:lstStyle/>
-          <a:p>
-            <a:pPr algn="ctr"/>
-            <a:endParaRPr lang="fr-FR"/>
-          </a:p>
-        </p:txBody>
-      </p:sp>
-      <p:sp>
-        <p:nvSpPr>
-          <p:cNvPr id="12" name="Rectangle 11">
-            <a:extLst>
-              <a:ext uri="{FF2B5EF4-FFF2-40B4-BE49-F238E27FC236}">
-                <a16:creationId xmlns:a16="http://schemas.microsoft.com/office/drawing/2014/main" id="{B0099343-2627-46B1-AC0A-138C4021E629}"/>
-              </a:ext>
-            </a:extLst>
-          </p:cNvPr>
-          <p:cNvSpPr/>
-          <p:nvPr/>
-        </p:nvSpPr>
-        <p:spPr>
-          <a:xfrm>
-            <a:off x="8766628" y="2529034"/>
-            <a:ext cx="1344202" cy="509588"/>
-          </a:xfrm>
-          <a:prstGeom prst="rect">
-            <a:avLst/>
-          </a:prstGeom>
-          <a:solidFill>
-            <a:schemeClr val="bg1"/>
-          </a:solidFill>
-          <a:ln>
-            <a:solidFill>
-              <a:schemeClr val="bg1"/>
-            </a:solidFill>
-          </a:ln>
-        </p:spPr>
-        <p:style>
-          <a:lnRef idx="2">
-            <a:schemeClr val="accent1">
-              <a:shade val="50000"/>
-            </a:schemeClr>
-          </a:lnRef>
-          <a:fillRef idx="1">
-            <a:schemeClr val="accent1"/>
-          </a:fillRef>
-          <a:effectRef idx="0">
-            <a:schemeClr val="accent1"/>
-          </a:effectRef>
-          <a:fontRef idx="minor">
-            <a:schemeClr val="lt1"/>
-          </a:fontRef>
-        </p:style>
-        <p:txBody>
-          <a:bodyPr rtlCol="0" anchor="ctr"/>
-          <a:lstStyle/>
-          <a:p>
-            <a:pPr algn="ctr"/>
-            <a:endParaRPr lang="fr-FR"/>
-          </a:p>
-        </p:txBody>
-      </p:sp>
-      <p:sp>
-        <p:nvSpPr>
-          <p:cNvPr id="13" name="Rectangle 12">
-            <a:extLst>
-              <a:ext uri="{FF2B5EF4-FFF2-40B4-BE49-F238E27FC236}">
-                <a16:creationId xmlns:a16="http://schemas.microsoft.com/office/drawing/2014/main" id="{B7723DFF-F30C-4D43-82A6-BBCE78BEDBCA}"/>
-              </a:ext>
-            </a:extLst>
-          </p:cNvPr>
-          <p:cNvSpPr/>
-          <p:nvPr/>
-        </p:nvSpPr>
-        <p:spPr>
-          <a:xfrm>
-            <a:off x="3297553" y="2753284"/>
-            <a:ext cx="2065019" cy="158728"/>
-          </a:xfrm>
-          <a:prstGeom prst="rect">
-            <a:avLst/>
-          </a:prstGeom>
-          <a:solidFill>
-            <a:schemeClr val="bg1"/>
-          </a:solidFill>
-          <a:ln>
-            <a:solidFill>
-              <a:schemeClr val="bg1"/>
-            </a:solidFill>
-          </a:ln>
-        </p:spPr>
-        <p:style>
-          <a:lnRef idx="2">
-            <a:schemeClr val="accent1">
-              <a:shade val="50000"/>
-            </a:schemeClr>
-          </a:lnRef>
-          <a:fillRef idx="1">
-            <a:schemeClr val="accent1"/>
-          </a:fillRef>
-          <a:effectRef idx="0">
-            <a:schemeClr val="accent1"/>
-          </a:effectRef>
-          <a:fontRef idx="minor">
-            <a:schemeClr val="lt1"/>
-          </a:fontRef>
-        </p:style>
-        <p:txBody>
-          <a:bodyPr rtlCol="0" anchor="ctr"/>
-          <a:lstStyle/>
-          <a:p>
-            <a:pPr algn="ctr"/>
-            <a:endParaRPr lang="fr-FR"/>
-          </a:p>
-        </p:txBody>
-      </p:sp>
+              </a:endParaRPr>
+            </a:p>
+          </p:txBody>
+        </p:sp>
+      </p:grpSp>
     </p:spTree>
     <p:extLst>
       <p:ext uri="{BB962C8B-B14F-4D97-AF65-F5344CB8AC3E}">
-        <p14:creationId xmlns:p14="http://schemas.microsoft.com/office/powerpoint/2010/main" val="1229582070"/>
+        <p14:creationId xmlns:p14="http://schemas.microsoft.com/office/powerpoint/2010/main" val="3825870849"/>
       </p:ext>
     </p:extLst>
   </p:cSld>
@@ -4275,4 +4625,299 @@
     </a:ext>
   </a:extLst>
 </a:theme>
+</file>
+
+<file path=ppt/theme/theme2.xml><?xml version="1.0" encoding="utf-8"?>
+<a:theme xmlns:a="http://schemas.openxmlformats.org/drawingml/2006/main" name="Thème Office">
+  <a:themeElements>
+    <a:clrScheme name="Office">
+      <a:dk1>
+        <a:sysClr val="windowText" lastClr="000000"/>
+      </a:dk1>
+      <a:lt1>
+        <a:sysClr val="window" lastClr="FFFFFF"/>
+      </a:lt1>
+      <a:dk2>
+        <a:srgbClr val="44546A"/>
+      </a:dk2>
+      <a:lt2>
+        <a:srgbClr val="E7E6E6"/>
+      </a:lt2>
+      <a:accent1>
+        <a:srgbClr val="4472C4"/>
+      </a:accent1>
+      <a:accent2>
+        <a:srgbClr val="ED7D31"/>
+      </a:accent2>
+      <a:accent3>
+        <a:srgbClr val="A5A5A5"/>
+      </a:accent3>
+      <a:accent4>
+        <a:srgbClr val="FFC000"/>
+      </a:accent4>
+      <a:accent5>
+        <a:srgbClr val="5B9BD5"/>
+      </a:accent5>
+      <a:accent6>
+        <a:srgbClr val="70AD47"/>
+      </a:accent6>
+      <a:hlink>
+        <a:srgbClr val="0563C1"/>
+      </a:hlink>
+      <a:folHlink>
+        <a:srgbClr val="954F72"/>
+      </a:folHlink>
+    </a:clrScheme>
+    <a:fontScheme name="Office">
+      <a:majorFont>
+        <a:latin typeface="Calibri Light" panose="020F0302020204030204"/>
+        <a:ea typeface=""/>
+        <a:cs typeface=""/>
+        <a:font script="Jpan" typeface="游ゴシック Light"/>
+        <a:font script="Hang" typeface="맑은 고딕"/>
+        <a:font script="Hans" typeface="等线 Light"/>
+        <a:font script="Hant" typeface="新細明體"/>
+        <a:font script="Arab" typeface="Times New Roman"/>
+        <a:font script="Hebr" typeface="Times New Roman"/>
+        <a:font script="Thai" typeface="Angsana New"/>
+        <a:font script="Ethi" typeface="Nyala"/>
+        <a:font script="Beng" typeface="Vrinda"/>
+        <a:font script="Gujr" typeface="Shruti"/>
+        <a:font script="Khmr" typeface="MoolBoran"/>
+        <a:font script="Knda" typeface="Tunga"/>
+        <a:font script="Guru" typeface="Raavi"/>
+        <a:font script="Cans" typeface="Euphemia"/>
+        <a:font script="Cher" typeface="Plantagenet Cherokee"/>
+        <a:font script="Yiii" typeface="Microsoft Yi Baiti"/>
+        <a:font script="Tibt" typeface="Microsoft Himalaya"/>
+        <a:font script="Thaa" typeface="MV Boli"/>
+        <a:font script="Deva" typeface="Mangal"/>
+        <a:font script="Telu" typeface="Gautami"/>
+        <a:font script="Taml" typeface="Latha"/>
+        <a:font script="Syrc" typeface="Estrangelo Edessa"/>
+        <a:font script="Orya" typeface="Kalinga"/>
+        <a:font script="Mlym" typeface="Kartika"/>
+        <a:font script="Laoo" typeface="DokChampa"/>
+        <a:font script="Sinh" typeface="Iskoola Pota"/>
+        <a:font script="Mong" typeface="Mongolian Baiti"/>
+        <a:font script="Viet" typeface="Times New Roman"/>
+        <a:font script="Uigh" typeface="Microsoft Uighur"/>
+        <a:font script="Geor" typeface="Sylfaen"/>
+        <a:font script="Armn" typeface="Arial"/>
+        <a:font script="Bugi" typeface="Leelawadee UI"/>
+        <a:font script="Bopo" typeface="Microsoft JhengHei"/>
+        <a:font script="Java" typeface="Javanese Text"/>
+        <a:font script="Lisu" typeface="Segoe UI"/>
+        <a:font script="Mymr" typeface="Myanmar Text"/>
+        <a:font script="Nkoo" typeface="Ebrima"/>
+        <a:font script="Olck" typeface="Nirmala UI"/>
+        <a:font script="Osma" typeface="Ebrima"/>
+        <a:font script="Phag" typeface="Phagspa"/>
+        <a:font script="Syrn" typeface="Estrangelo Edessa"/>
+        <a:font script="Syrj" typeface="Estrangelo Edessa"/>
+        <a:font script="Syre" typeface="Estrangelo Edessa"/>
+        <a:font script="Sora" typeface="Nirmala UI"/>
+        <a:font script="Tale" typeface="Microsoft Tai Le"/>
+        <a:font script="Talu" typeface="Microsoft New Tai Lue"/>
+        <a:font script="Tfng" typeface="Ebrima"/>
+      </a:majorFont>
+      <a:minorFont>
+        <a:latin typeface="Calibri" panose="020F0502020204030204"/>
+        <a:ea typeface=""/>
+        <a:cs typeface=""/>
+        <a:font script="Jpan" typeface="游ゴシック"/>
+        <a:font script="Hang" typeface="맑은 고딕"/>
+        <a:font script="Hans" typeface="等线"/>
+        <a:font script="Hant" typeface="新細明體"/>
+        <a:font script="Arab" typeface="Arial"/>
+        <a:font script="Hebr" typeface="Arial"/>
+        <a:font script="Thai" typeface="Cordia New"/>
+        <a:font script="Ethi" typeface="Nyala"/>
+        <a:font script="Beng" typeface="Vrinda"/>
+        <a:font script="Gujr" typeface="Shruti"/>
+        <a:font script="Khmr" typeface="DaunPenh"/>
+        <a:font script="Knda" typeface="Tunga"/>
+        <a:font script="Guru" typeface="Raavi"/>
+        <a:font script="Cans" typeface="Euphemia"/>
+        <a:font script="Cher" typeface="Plantagenet Cherokee"/>
+        <a:font script="Yiii" typeface="Microsoft Yi Baiti"/>
+        <a:font script="Tibt" typeface="Microsoft Himalaya"/>
+        <a:font script="Thaa" typeface="MV Boli"/>
+        <a:font script="Deva" typeface="Mangal"/>
+        <a:font script="Telu" typeface="Gautami"/>
+        <a:font script="Taml" typeface="Latha"/>
+        <a:font script="Syrc" typeface="Estrangelo Edessa"/>
+        <a:font script="Orya" typeface="Kalinga"/>
+        <a:font script="Mlym" typeface="Kartika"/>
+        <a:font script="Laoo" typeface="DokChampa"/>
+        <a:font script="Sinh" typeface="Iskoola Pota"/>
+        <a:font script="Mong" typeface="Mongolian Baiti"/>
+        <a:font script="Viet" typeface="Arial"/>
+        <a:font script="Uigh" typeface="Microsoft Uighur"/>
+        <a:font script="Geor" typeface="Sylfaen"/>
+        <a:font script="Armn" typeface="Arial"/>
+        <a:font script="Bugi" typeface="Leelawadee UI"/>
+        <a:font script="Bopo" typeface="Microsoft JhengHei"/>
+        <a:font script="Java" typeface="Javanese Text"/>
+        <a:font script="Lisu" typeface="Segoe UI"/>
+        <a:font script="Mymr" typeface="Myanmar Text"/>
+        <a:font script="Nkoo" typeface="Ebrima"/>
+        <a:font script="Olck" typeface="Nirmala UI"/>
+        <a:font script="Osma" typeface="Ebrima"/>
+        <a:font script="Phag" typeface="Phagspa"/>
+        <a:font script="Syrn" typeface="Estrangelo Edessa"/>
+        <a:font script="Syrj" typeface="Estrangelo Edessa"/>
+        <a:font script="Syre" typeface="Estrangelo Edessa"/>
+        <a:font script="Sora" typeface="Nirmala UI"/>
+        <a:font script="Tale" typeface="Microsoft Tai Le"/>
+        <a:font script="Talu" typeface="Microsoft New Tai Lue"/>
+        <a:font script="Tfng" typeface="Ebrima"/>
+      </a:minorFont>
+    </a:fontScheme>
+    <a:fmtScheme name="Office">
+      <a:fillStyleLst>
+        <a:solidFill>
+          <a:schemeClr val="phClr"/>
+        </a:solidFill>
+        <a:gradFill rotWithShape="1">
+          <a:gsLst>
+            <a:gs pos="0">
+              <a:schemeClr val="phClr">
+                <a:lumMod val="110000"/>
+                <a:satMod val="105000"/>
+                <a:tint val="67000"/>
+              </a:schemeClr>
+            </a:gs>
+            <a:gs pos="50000">
+              <a:schemeClr val="phClr">
+                <a:lumMod val="105000"/>
+                <a:satMod val="103000"/>
+                <a:tint val="73000"/>
+              </a:schemeClr>
+            </a:gs>
+            <a:gs pos="100000">
+              <a:schemeClr val="phClr">
+                <a:lumMod val="105000"/>
+                <a:satMod val="109000"/>
+                <a:tint val="81000"/>
+              </a:schemeClr>
+            </a:gs>
+          </a:gsLst>
+          <a:lin ang="5400000" scaled="0"/>
+        </a:gradFill>
+        <a:gradFill rotWithShape="1">
+          <a:gsLst>
+            <a:gs pos="0">
+              <a:schemeClr val="phClr">
+                <a:satMod val="103000"/>
+                <a:lumMod val="102000"/>
+                <a:tint val="94000"/>
+              </a:schemeClr>
+            </a:gs>
+            <a:gs pos="50000">
+              <a:schemeClr val="phClr">
+                <a:satMod val="110000"/>
+                <a:lumMod val="100000"/>
+                <a:shade val="100000"/>
+              </a:schemeClr>
+            </a:gs>
+            <a:gs pos="100000">
+              <a:schemeClr val="phClr">
+                <a:lumMod val="99000"/>
+                <a:satMod val="120000"/>
+                <a:shade val="78000"/>
+              </a:schemeClr>
+            </a:gs>
+          </a:gsLst>
+          <a:lin ang="5400000" scaled="0"/>
+        </a:gradFill>
+      </a:fillStyleLst>
+      <a:lnStyleLst>
+        <a:ln w="6350" cap="flat" cmpd="sng" algn="ctr">
+          <a:solidFill>
+            <a:schemeClr val="phClr"/>
+          </a:solidFill>
+          <a:prstDash val="solid"/>
+          <a:miter lim="800000"/>
+        </a:ln>
+        <a:ln w="12700" cap="flat" cmpd="sng" algn="ctr">
+          <a:solidFill>
+            <a:schemeClr val="phClr"/>
+          </a:solidFill>
+          <a:prstDash val="solid"/>
+          <a:miter lim="800000"/>
+        </a:ln>
+        <a:ln w="19050" cap="flat" cmpd="sng" algn="ctr">
+          <a:solidFill>
+            <a:schemeClr val="phClr"/>
+          </a:solidFill>
+          <a:prstDash val="solid"/>
+          <a:miter lim="800000"/>
+        </a:ln>
+      </a:lnStyleLst>
+      <a:effectStyleLst>
+        <a:effectStyle>
+          <a:effectLst/>
+        </a:effectStyle>
+        <a:effectStyle>
+          <a:effectLst/>
+        </a:effectStyle>
+        <a:effectStyle>
+          <a:effectLst>
+            <a:outerShdw blurRad="57150" dist="19050" dir="5400000" algn="ctr" rotWithShape="0">
+              <a:srgbClr val="000000">
+                <a:alpha val="63000"/>
+              </a:srgbClr>
+            </a:outerShdw>
+          </a:effectLst>
+        </a:effectStyle>
+      </a:effectStyleLst>
+      <a:bgFillStyleLst>
+        <a:solidFill>
+          <a:schemeClr val="phClr"/>
+        </a:solidFill>
+        <a:solidFill>
+          <a:schemeClr val="phClr">
+            <a:tint val="95000"/>
+            <a:satMod val="170000"/>
+          </a:schemeClr>
+        </a:solidFill>
+        <a:gradFill rotWithShape="1">
+          <a:gsLst>
+            <a:gs pos="0">
+              <a:schemeClr val="phClr">
+                <a:tint val="93000"/>
+                <a:satMod val="150000"/>
+                <a:shade val="98000"/>
+                <a:lumMod val="102000"/>
+              </a:schemeClr>
+            </a:gs>
+            <a:gs pos="50000">
+              <a:schemeClr val="phClr">
+                <a:tint val="98000"/>
+                <a:satMod val="130000"/>
+                <a:shade val="90000"/>
+                <a:lumMod val="103000"/>
+              </a:schemeClr>
+            </a:gs>
+            <a:gs pos="100000">
+              <a:schemeClr val="phClr">
+                <a:shade val="63000"/>
+                <a:satMod val="120000"/>
+              </a:schemeClr>
+            </a:gs>
+          </a:gsLst>
+          <a:lin ang="5400000" scaled="0"/>
+        </a:gradFill>
+      </a:bgFillStyleLst>
+    </a:fmtScheme>
+  </a:themeElements>
+  <a:objectDefaults/>
+  <a:extraClrSchemeLst/>
+  <a:extLst>
+    <a:ext uri="{05A4C25C-085E-4340-85A3-A5531E510DB2}">
+      <thm15:themeFamily xmlns:thm15="http://schemas.microsoft.com/office/thememl/2012/main" name="Office Theme" id="{62F939B6-93AF-4DB8-9C6B-D6C7DFDC589F}" vid="{4A3C46E8-61CC-4603-A589-7422A47A8E4A}"/>
+    </a:ext>
+  </a:extLst>
+</a:theme>
 </file>